--- a/presentation/runway.pptx
+++ b/presentation/runway.pptx
@@ -15404,6 +15404,13 @@
             <a:r>
               <a:rPr lang="en-US" dirty="0"/>
               <a:t>Thank You</a:t>
+            </a:r>
+            <a:br>
+              <a:rPr lang="en-US" dirty="0"/>
+            </a:br>
+            <a:r>
+              <a:rPr lang="en-US" sz="2400" dirty="0"/>
+              <a:t>(…and let’s demo!)</a:t>
             </a:r>
           </a:p>
         </p:txBody>
@@ -16374,6 +16381,15 @@
 </file>
 
 <file path=customXml/item2.xml><?xml version="1.0" encoding="utf-8"?>
+<?mso-contentType ?>
+<FormTemplates xmlns="http://schemas.microsoft.com/sharepoint/v3/contenttype/forms">
+  <Display>DocumentLibraryForm</Display>
+  <Edit>DocumentLibraryForm</Edit>
+  <New>DocumentLibraryForm</New>
+</FormTemplates>
+</file>
+
+<file path=customXml/item3.xml><?xml version="1.0" encoding="utf-8"?>
 <p:properties xmlns:p="http://schemas.microsoft.com/office/2006/metadata/properties" xmlns:xsi="http://www.w3.org/2001/XMLSchema-instance" xmlns:pc="http://schemas.microsoft.com/office/infopath/2007/PartnerControls">
   <documentManagement>
     <Status xmlns="71af3243-3dd4-4a8d-8c0d-dd76da1f02a5">Not started</Status>
@@ -16390,15 +16406,6 @@
     <MediaServiceKeyPoints xmlns="71af3243-3dd4-4a8d-8c0d-dd76da1f02a5" xsi:nil="true"/>
   </documentManagement>
 </p:properties>
-</file>
-
-<file path=customXml/item3.xml><?xml version="1.0" encoding="utf-8"?>
-<?mso-contentType ?>
-<FormTemplates xmlns="http://schemas.microsoft.com/sharepoint/v3/contenttype/forms">
-  <Display>DocumentLibraryForm</Display>
-  <Edit>DocumentLibraryForm</Edit>
-  <New>DocumentLibraryForm</New>
-</FormTemplates>
 </file>
 
 <file path=customXml/itemProps1.xml><?xml version="1.0" encoding="utf-8"?>
@@ -16423,6 +16430,14 @@
 </file>
 
 <file path=customXml/itemProps2.xml><?xml version="1.0" encoding="utf-8"?>
+<ds:datastoreItem xmlns:ds="http://schemas.openxmlformats.org/officeDocument/2006/customXml" ds:itemID="{0B61E4D0-D101-4A17-BA61-F29B2B6CFE74}">
+  <ds:schemaRefs>
+    <ds:schemaRef ds:uri="http://schemas.microsoft.com/sharepoint/v3/contenttype/forms"/>
+  </ds:schemaRefs>
+</ds:datastoreItem>
+</file>
+
+<file path=customXml/itemProps3.xml><?xml version="1.0" encoding="utf-8"?>
 <ds:datastoreItem xmlns:ds="http://schemas.openxmlformats.org/officeDocument/2006/customXml" ds:itemID="{4EAB8BBB-9A18-4050-923B-7FC6E36DA496}">
   <ds:schemaRefs>
     <ds:schemaRef ds:uri="http://schemas.microsoft.com/office/2006/metadata/properties"/>
@@ -16434,14 +16449,6 @@
 </ds:datastoreItem>
 </file>
 
-<file path=customXml/itemProps3.xml><?xml version="1.0" encoding="utf-8"?>
-<ds:datastoreItem xmlns:ds="http://schemas.openxmlformats.org/officeDocument/2006/customXml" ds:itemID="{0B61E4D0-D101-4A17-BA61-F29B2B6CFE74}">
-  <ds:schemaRefs>
-    <ds:schemaRef ds:uri="http://schemas.microsoft.com/sharepoint/v3/contenttype/forms"/>
-  </ds:schemaRefs>
-</ds:datastoreItem>
-</file>
-
 <file path=docMetadata/LabelInfo.xml><?xml version="1.0" encoding="utf-8"?>
 <clbl:labelList xmlns:clbl="http://schemas.microsoft.com/office/2020/mipLabelMetadata">
   <clbl:label id="{f42aa342-8706-4288-bd11-ebb85995028c}" enabled="1" method="Standard" siteId="{72f988bf-86f1-41af-91ab-2d7cd011db47}" contentBits="0" removed="0"/>
